--- a/trunk/Reporting Thesis/LV_FINAL/ReportThesis2/Presentation1.pptx
+++ b/trunk/Reporting Thesis/LV_FINAL/ReportThesis2/Presentation1.pptx
@@ -2,14 +2,14 @@
 <file path=ppt/presentation.xml><?xml version="1.0" encoding="utf-8"?>
 <p:presentation xmlns:a="http://schemas.openxmlformats.org/drawingml/2006/main" xmlns:r="http://schemas.openxmlformats.org/officeDocument/2006/relationships" xmlns:p="http://schemas.openxmlformats.org/presentationml/2006/main" saveSubsetFonts="1">
   <p:sldMasterIdLst>
-    <p:sldMasterId id="2147483648" r:id="rId1"/>
+    <p:sldMasterId id="2147483660" r:id="rId1"/>
   </p:sldMasterIdLst>
   <p:notesMasterIdLst>
     <p:notesMasterId r:id="rId4"/>
   </p:notesMasterIdLst>
   <p:sldIdLst>
     <p:sldId id="257" r:id="rId2"/>
-    <p:sldId id="256" r:id="rId3"/>
+    <p:sldId id="258" r:id="rId3"/>
   </p:sldIdLst>
   <p:sldSz cx="9144000" cy="6858000" type="screen4x3"/>
   <p:notesSz cx="6858000" cy="9144000"/>
@@ -194,7 +194,7 @@
             <a:fld id="{D9F5BE78-F04D-49FE-AAC3-BC185033EDEB}" type="datetimeFigureOut">
               <a:rPr lang="en-US" smtClean="0"/>
               <a:pPr/>
-              <a:t>12/13/2010</a:t>
+              <a:t>12/14/2010</a:t>
             </a:fld>
             <a:endParaRPr lang="en-US"/>
           </a:p>
@@ -363,6 +363,11 @@
         </p:txBody>
       </p:sp>
     </p:spTree>
+    <p:extLst>
+      <p:ext uri="{BB962C8B-B14F-4D97-AF65-F5344CB8AC3E}">
+        <p14:creationId xmlns:p14="http://schemas.microsoft.com/office/powerpoint/2010/main" val="807031750"/>
+      </p:ext>
+    </p:extLst>
   </p:cSld>
   <p:clrMap bg1="lt1" tx1="dk1" bg2="lt2" tx2="dk2" accent1="accent1" accent2="accent2" accent3="accent3" accent4="accent4" accent5="accent5" accent6="accent6" hlink="hlink" folHlink="folHlink"/>
   <p:notesStyle>
@@ -461,7 +466,7 @@
 </file>
 
 <file path=ppt/slideLayouts/slideLayout1.xml><?xml version="1.0" encoding="utf-8"?>
-<p:sldLayout xmlns:a="http://schemas.openxmlformats.org/drawingml/2006/main" xmlns:r="http://schemas.openxmlformats.org/officeDocument/2006/relationships" xmlns:p="http://schemas.openxmlformats.org/presentationml/2006/main" showMasterSp="0" type="title" preserve="1">
+<p:sldLayout xmlns:a="http://schemas.openxmlformats.org/drawingml/2006/main" xmlns:r="http://schemas.openxmlformats.org/officeDocument/2006/relationships" xmlns:p="http://schemas.openxmlformats.org/presentationml/2006/main" type="title" preserve="1">
   <p:cSld name="Title Slide">
     <p:spTree>
       <p:nvGrpSpPr>
@@ -642,7 +647,7 @@
             <a:fld id="{3A5679C8-949D-4657-86BE-0B330BB70591}" type="datetime1">
               <a:rPr lang="en-US" smtClean="0"/>
               <a:pPr/>
-              <a:t>12/13/2010</a:t>
+              <a:t>12/14/2010</a:t>
             </a:fld>
             <a:endParaRPr lang="en-US"/>
           </a:p>
@@ -700,7 +705,7 @@
 </file>
 
 <file path=ppt/slideLayouts/slideLayout10.xml><?xml version="1.0" encoding="utf-8"?>
-<p:sldLayout xmlns:a="http://schemas.openxmlformats.org/drawingml/2006/main" xmlns:r="http://schemas.openxmlformats.org/officeDocument/2006/relationships" xmlns:p="http://schemas.openxmlformats.org/presentationml/2006/main" showMasterSp="0" type="vertTx" preserve="1">
+<p:sldLayout xmlns:a="http://schemas.openxmlformats.org/drawingml/2006/main" xmlns:r="http://schemas.openxmlformats.org/officeDocument/2006/relationships" xmlns:p="http://schemas.openxmlformats.org/presentationml/2006/main" type="vertTx" preserve="1">
   <p:cSld name="Title and Vertical Text">
     <p:spTree>
       <p:nvGrpSpPr>
@@ -809,7 +814,7 @@
             <a:fld id="{62655D70-C57C-44C3-937E-89E520BE6789}" type="datetime1">
               <a:rPr lang="en-US" smtClean="0"/>
               <a:pPr/>
-              <a:t>12/13/2010</a:t>
+              <a:t>12/14/2010</a:t>
             </a:fld>
             <a:endParaRPr lang="en-US"/>
           </a:p>
@@ -867,7 +872,7 @@
 </file>
 
 <file path=ppt/slideLayouts/slideLayout11.xml><?xml version="1.0" encoding="utf-8"?>
-<p:sldLayout xmlns:a="http://schemas.openxmlformats.org/drawingml/2006/main" xmlns:r="http://schemas.openxmlformats.org/officeDocument/2006/relationships" xmlns:p="http://schemas.openxmlformats.org/presentationml/2006/main" showMasterSp="0" type="vertTitleAndTx" preserve="1">
+<p:sldLayout xmlns:a="http://schemas.openxmlformats.org/drawingml/2006/main" xmlns:r="http://schemas.openxmlformats.org/officeDocument/2006/relationships" xmlns:p="http://schemas.openxmlformats.org/presentationml/2006/main" type="vertTitleAndTx" preserve="1">
   <p:cSld name="Vertical Title and Text">
     <p:spTree>
       <p:nvGrpSpPr>
@@ -986,7 +991,7 @@
             <a:fld id="{1E177B46-F546-4AA1-A130-860EA28E9936}" type="datetime1">
               <a:rPr lang="en-US" smtClean="0"/>
               <a:pPr/>
-              <a:t>12/13/2010</a:t>
+              <a:t>12/14/2010</a:t>
             </a:fld>
             <a:endParaRPr lang="en-US"/>
           </a:p>
@@ -1044,7 +1049,7 @@
 </file>
 
 <file path=ppt/slideLayouts/slideLayout2.xml><?xml version="1.0" encoding="utf-8"?>
-<p:sldLayout xmlns:a="http://schemas.openxmlformats.org/drawingml/2006/main" xmlns:r="http://schemas.openxmlformats.org/officeDocument/2006/relationships" xmlns:p="http://schemas.openxmlformats.org/presentationml/2006/main" showMasterSp="0" type="obj" preserve="1">
+<p:sldLayout xmlns:a="http://schemas.openxmlformats.org/drawingml/2006/main" xmlns:r="http://schemas.openxmlformats.org/officeDocument/2006/relationships" xmlns:p="http://schemas.openxmlformats.org/presentationml/2006/main" type="obj" preserve="1">
   <p:cSld name="Title and Content">
     <p:spTree>
       <p:nvGrpSpPr>
@@ -1153,7 +1158,7 @@
             <a:fld id="{E5C24BDB-84D1-4ED8-8B84-6B6DABF96D54}" type="datetime1">
               <a:rPr lang="en-US" smtClean="0"/>
               <a:pPr/>
-              <a:t>12/13/2010</a:t>
+              <a:t>12/14/2010</a:t>
             </a:fld>
             <a:endParaRPr lang="en-US"/>
           </a:p>
@@ -1211,7 +1216,7 @@
 </file>
 
 <file path=ppt/slideLayouts/slideLayout3.xml><?xml version="1.0" encoding="utf-8"?>
-<p:sldLayout xmlns:a="http://schemas.openxmlformats.org/drawingml/2006/main" xmlns:r="http://schemas.openxmlformats.org/officeDocument/2006/relationships" xmlns:p="http://schemas.openxmlformats.org/presentationml/2006/main" showMasterSp="0" type="secHead" preserve="1">
+<p:sldLayout xmlns:a="http://schemas.openxmlformats.org/drawingml/2006/main" xmlns:r="http://schemas.openxmlformats.org/officeDocument/2006/relationships" xmlns:p="http://schemas.openxmlformats.org/presentationml/2006/main" type="secHead" preserve="1">
   <p:cSld name="Section Header">
     <p:spTree>
       <p:nvGrpSpPr>
@@ -1396,7 +1401,7 @@
             <a:fld id="{074E2D57-E3D5-4A1E-A86C-3522052E8FC3}" type="datetime1">
               <a:rPr lang="en-US" smtClean="0"/>
               <a:pPr/>
-              <a:t>12/13/2010</a:t>
+              <a:t>12/14/2010</a:t>
             </a:fld>
             <a:endParaRPr lang="en-US"/>
           </a:p>
@@ -1454,7 +1459,7 @@
 </file>
 
 <file path=ppt/slideLayouts/slideLayout4.xml><?xml version="1.0" encoding="utf-8"?>
-<p:sldLayout xmlns:a="http://schemas.openxmlformats.org/drawingml/2006/main" xmlns:r="http://schemas.openxmlformats.org/officeDocument/2006/relationships" xmlns:p="http://schemas.openxmlformats.org/presentationml/2006/main" showMasterSp="0" type="twoObj" preserve="1">
+<p:sldLayout xmlns:a="http://schemas.openxmlformats.org/drawingml/2006/main" xmlns:r="http://schemas.openxmlformats.org/officeDocument/2006/relationships" xmlns:p="http://schemas.openxmlformats.org/presentationml/2006/main" type="twoObj" preserve="1">
   <p:cSld name="Two Content">
     <p:spTree>
       <p:nvGrpSpPr>
@@ -1681,7 +1686,7 @@
             <a:fld id="{F29F8DED-00F6-40AD-A315-E15FAA45C1C6}" type="datetime1">
               <a:rPr lang="en-US" smtClean="0"/>
               <a:pPr/>
-              <a:t>12/13/2010</a:t>
+              <a:t>12/14/2010</a:t>
             </a:fld>
             <a:endParaRPr lang="en-US"/>
           </a:p>
@@ -1739,7 +1744,7 @@
 </file>
 
 <file path=ppt/slideLayouts/slideLayout5.xml><?xml version="1.0" encoding="utf-8"?>
-<p:sldLayout xmlns:a="http://schemas.openxmlformats.org/drawingml/2006/main" xmlns:r="http://schemas.openxmlformats.org/officeDocument/2006/relationships" xmlns:p="http://schemas.openxmlformats.org/presentationml/2006/main" showMasterSp="0" type="twoTxTwoObj" preserve="1">
+<p:sldLayout xmlns:a="http://schemas.openxmlformats.org/drawingml/2006/main" xmlns:r="http://schemas.openxmlformats.org/officeDocument/2006/relationships" xmlns:p="http://schemas.openxmlformats.org/presentationml/2006/main" type="twoTxTwoObj" preserve="1">
   <p:cSld name="Comparison">
     <p:spTree>
       <p:nvGrpSpPr>
@@ -2100,7 +2105,7 @@
             <a:fld id="{C95572DE-1B2D-4839-AE93-3D92446A0E59}" type="datetime1">
               <a:rPr lang="en-US" smtClean="0"/>
               <a:pPr/>
-              <a:t>12/13/2010</a:t>
+              <a:t>12/14/2010</a:t>
             </a:fld>
             <a:endParaRPr lang="en-US"/>
           </a:p>
@@ -2158,7 +2163,7 @@
 </file>
 
 <file path=ppt/slideLayouts/slideLayout6.xml><?xml version="1.0" encoding="utf-8"?>
-<p:sldLayout xmlns:a="http://schemas.openxmlformats.org/drawingml/2006/main" xmlns:r="http://schemas.openxmlformats.org/officeDocument/2006/relationships" xmlns:p="http://schemas.openxmlformats.org/presentationml/2006/main" showMasterSp="0" type="titleOnly" preserve="1">
+<p:sldLayout xmlns:a="http://schemas.openxmlformats.org/drawingml/2006/main" xmlns:r="http://schemas.openxmlformats.org/officeDocument/2006/relationships" xmlns:p="http://schemas.openxmlformats.org/presentationml/2006/main" type="titleOnly" preserve="1">
   <p:cSld name="Title Only">
     <p:spTree>
       <p:nvGrpSpPr>
@@ -2215,7 +2220,7 @@
             <a:fld id="{71F41DA3-5051-4FC6-9B1D-661D519523F2}" type="datetime1">
               <a:rPr lang="en-US" smtClean="0"/>
               <a:pPr/>
-              <a:t>12/13/2010</a:t>
+              <a:t>12/14/2010</a:t>
             </a:fld>
             <a:endParaRPr lang="en-US"/>
           </a:p>
@@ -2273,7 +2278,7 @@
 </file>
 
 <file path=ppt/slideLayouts/slideLayout7.xml><?xml version="1.0" encoding="utf-8"?>
-<p:sldLayout xmlns:a="http://schemas.openxmlformats.org/drawingml/2006/main" xmlns:r="http://schemas.openxmlformats.org/officeDocument/2006/relationships" xmlns:p="http://schemas.openxmlformats.org/presentationml/2006/main" showMasterSp="0" type="blank" preserve="1">
+<p:sldLayout xmlns:a="http://schemas.openxmlformats.org/drawingml/2006/main" xmlns:r="http://schemas.openxmlformats.org/officeDocument/2006/relationships" xmlns:p="http://schemas.openxmlformats.org/presentationml/2006/main" type="blank" preserve="1">
   <p:cSld name="Blank">
     <p:spTree>
       <p:nvGrpSpPr>
@@ -2307,7 +2312,7 @@
             <a:fld id="{2CF082C9-A432-45EB-8439-EC9CD37CD1E9}" type="datetime1">
               <a:rPr lang="en-US" smtClean="0"/>
               <a:pPr/>
-              <a:t>12/13/2010</a:t>
+              <a:t>12/14/2010</a:t>
             </a:fld>
             <a:endParaRPr lang="en-US"/>
           </a:p>
@@ -2365,7 +2370,7 @@
 </file>
 
 <file path=ppt/slideLayouts/slideLayout8.xml><?xml version="1.0" encoding="utf-8"?>
-<p:sldLayout xmlns:a="http://schemas.openxmlformats.org/drawingml/2006/main" xmlns:r="http://schemas.openxmlformats.org/officeDocument/2006/relationships" xmlns:p="http://schemas.openxmlformats.org/presentationml/2006/main" showMasterSp="0" type="objTx" preserve="1">
+<p:sldLayout xmlns:a="http://schemas.openxmlformats.org/drawingml/2006/main" xmlns:r="http://schemas.openxmlformats.org/officeDocument/2006/relationships" xmlns:p="http://schemas.openxmlformats.org/presentationml/2006/main" type="objTx" preserve="1">
   <p:cSld name="Content with Caption">
     <p:spTree>
       <p:nvGrpSpPr>
@@ -2581,7 +2586,7 @@
             <a:fld id="{0038BC28-6F2B-4FF5-B0B5-362575B9B05C}" type="datetime1">
               <a:rPr lang="en-US" smtClean="0"/>
               <a:pPr/>
-              <a:t>12/13/2010</a:t>
+              <a:t>12/14/2010</a:t>
             </a:fld>
             <a:endParaRPr lang="en-US"/>
           </a:p>
@@ -2639,7 +2644,7 @@
 </file>
 
 <file path=ppt/slideLayouts/slideLayout9.xml><?xml version="1.0" encoding="utf-8"?>
-<p:sldLayout xmlns:a="http://schemas.openxmlformats.org/drawingml/2006/main" xmlns:r="http://schemas.openxmlformats.org/officeDocument/2006/relationships" xmlns:p="http://schemas.openxmlformats.org/presentationml/2006/main" showMasterSp="0" type="picTx" preserve="1">
+<p:sldLayout xmlns:a="http://schemas.openxmlformats.org/drawingml/2006/main" xmlns:r="http://schemas.openxmlformats.org/officeDocument/2006/relationships" xmlns:p="http://schemas.openxmlformats.org/presentationml/2006/main" type="picTx" preserve="1">
   <p:cSld name="Picture with Caption">
     <p:spTree>
       <p:nvGrpSpPr>
@@ -2835,7 +2840,7 @@
             <a:fld id="{9BAF0870-963D-44EE-A1B6-D3357B909CB2}" type="datetime1">
               <a:rPr lang="en-US" smtClean="0"/>
               <a:pPr/>
-              <a:t>12/13/2010</a:t>
+              <a:t>12/14/2010</a:t>
             </a:fld>
             <a:endParaRPr lang="en-US"/>
           </a:p>
@@ -2897,18 +2902,15 @@
   <p:cSld>
     <p:bg>
       <p:bgPr>
-        <a:gradFill flip="none" rotWithShape="1">
-          <a:gsLst>
-            <a:gs pos="0">
-              <a:srgbClr val="BCFF9B"/>
-            </a:gs>
-            <a:gs pos="50000">
-              <a:schemeClr val="bg1"/>
-            </a:gs>
-          </a:gsLst>
-          <a:lin ang="5400000" scaled="0"/>
-          <a:tileRect/>
-        </a:gradFill>
+        <a:blipFill dpi="0" rotWithShape="1">
+          <a:blip r:embed="rId13">
+            <a:lum/>
+          </a:blip>
+          <a:srcRect/>
+          <a:stretch>
+            <a:fillRect l="-5000" r="-5000"/>
+          </a:stretch>
+        </a:blipFill>
         <a:effectLst/>
       </p:bgPr>
     </p:bg>
@@ -3057,7 +3059,7 @@
             <a:fld id="{59C8A1C7-C1BF-442C-92E5-D8B26ACFFEF6}" type="datetime1">
               <a:rPr lang="en-US" smtClean="0"/>
               <a:pPr/>
-              <a:t>12/13/2010</a:t>
+              <a:t>12/14/2010</a:t>
             </a:fld>
             <a:endParaRPr lang="en-US"/>
           </a:p>
@@ -3146,17 +3148,17 @@
   </p:cSld>
   <p:clrMap bg1="lt1" tx1="dk1" bg2="lt2" tx2="dk2" accent1="accent1" accent2="accent2" accent3="accent3" accent4="accent4" accent5="accent5" accent6="accent6" hlink="hlink" folHlink="folHlink"/>
   <p:sldLayoutIdLst>
-    <p:sldLayoutId id="2147483649" r:id="rId1"/>
-    <p:sldLayoutId id="2147483650" r:id="rId2"/>
-    <p:sldLayoutId id="2147483651" r:id="rId3"/>
-    <p:sldLayoutId id="2147483652" r:id="rId4"/>
-    <p:sldLayoutId id="2147483653" r:id="rId5"/>
-    <p:sldLayoutId id="2147483654" r:id="rId6"/>
-    <p:sldLayoutId id="2147483655" r:id="rId7"/>
-    <p:sldLayoutId id="2147483656" r:id="rId8"/>
-    <p:sldLayoutId id="2147483657" r:id="rId9"/>
-    <p:sldLayoutId id="2147483658" r:id="rId10"/>
-    <p:sldLayoutId id="2147483659" r:id="rId11"/>
+    <p:sldLayoutId id="2147483661" r:id="rId1"/>
+    <p:sldLayoutId id="2147483662" r:id="rId2"/>
+    <p:sldLayoutId id="2147483663" r:id="rId3"/>
+    <p:sldLayoutId id="2147483664" r:id="rId4"/>
+    <p:sldLayoutId id="2147483665" r:id="rId5"/>
+    <p:sldLayoutId id="2147483666" r:id="rId6"/>
+    <p:sldLayoutId id="2147483667" r:id="rId7"/>
+    <p:sldLayoutId id="2147483668" r:id="rId8"/>
+    <p:sldLayoutId id="2147483669" r:id="rId9"/>
+    <p:sldLayoutId id="2147483670" r:id="rId10"/>
+    <p:sldLayoutId id="2147483671" r:id="rId11"/>
   </p:sldLayoutIdLst>
   <p:hf hdr="0" ftr="0" dt="0"/>
   <p:txStyles>
@@ -3413,7 +3415,7 @@
 </file>
 
 <file path=ppt/slides/slide1.xml><?xml version="1.0" encoding="utf-8"?>
-<p:sld xmlns:a="http://schemas.openxmlformats.org/drawingml/2006/main" xmlns:r="http://schemas.openxmlformats.org/officeDocument/2006/relationships" xmlns:p="http://schemas.openxmlformats.org/presentationml/2006/main" showMasterSp="0">
+<p:sld xmlns:a="http://schemas.openxmlformats.org/drawingml/2006/main" xmlns:r="http://schemas.openxmlformats.org/officeDocument/2006/relationships" xmlns:p="http://schemas.openxmlformats.org/presentationml/2006/main">
   <p:cSld>
     <p:spTree>
       <p:nvGrpSpPr>
@@ -3449,7 +3451,7 @@
           <a:bodyPr/>
           <a:lstStyle/>
           <a:p>
-            <a:endParaRPr lang="en-US" b="1">
+            <a:endParaRPr lang="en-US" b="1" dirty="0">
               <a:ln w="1905"/>
               <a:gradFill>
                 <a:gsLst>
@@ -3512,169 +3514,6 @@
           </a:p>
         </p:txBody>
       </p:sp>
-      <p:grpSp>
-        <p:nvGrpSpPr>
-          <p:cNvPr id="12" name="Group 11"/>
-          <p:cNvGrpSpPr/>
-          <p:nvPr/>
-        </p:nvGrpSpPr>
-        <p:grpSpPr>
-          <a:xfrm>
-            <a:off x="0" y="0"/>
-            <a:ext cx="9144000" cy="6724650"/>
-            <a:chOff x="0" y="0"/>
-            <a:chExt cx="9144000" cy="6724650"/>
-          </a:xfrm>
-        </p:grpSpPr>
-        <p:pic>
-          <p:nvPicPr>
-            <p:cNvPr id="7" name="Picture 2"/>
-            <p:cNvPicPr>
-              <a:picLocks noChangeAspect="1" noChangeArrowheads="1"/>
-            </p:cNvPicPr>
-            <p:nvPr/>
-          </p:nvPicPr>
-          <p:blipFill>
-            <a:blip r:embed="rId2"/>
-            <a:srcRect/>
-            <a:stretch>
-              <a:fillRect/>
-            </a:stretch>
-          </p:blipFill>
-          <p:spPr bwMode="auto">
-            <a:xfrm>
-              <a:off x="0" y="6324600"/>
-              <a:ext cx="9144000" cy="400050"/>
-            </a:xfrm>
-            <a:prstGeom prst="rect">
-              <a:avLst/>
-            </a:prstGeom>
-            <a:noFill/>
-            <a:ln w="9525">
-              <a:noFill/>
-              <a:miter lim="800000"/>
-              <a:headEnd/>
-              <a:tailEnd/>
-            </a:ln>
-            <a:effectLst/>
-          </p:spPr>
-        </p:pic>
-        <p:pic>
-          <p:nvPicPr>
-            <p:cNvPr id="5" name="Picture 2" descr="E:\LAM VIEC\NTDV\Pes\Uom mam tre tho\Source Code\PESWeb\images\Studyinghome.png"/>
-            <p:cNvPicPr>
-              <a:picLocks noChangeAspect="1" noChangeArrowheads="1"/>
-            </p:cNvPicPr>
-            <p:nvPr/>
-          </p:nvPicPr>
-          <p:blipFill>
-            <a:blip r:embed="rId3">
-              <a:lum/>
-            </a:blip>
-            <a:srcRect/>
-            <a:stretch>
-              <a:fillRect/>
-            </a:stretch>
-          </p:blipFill>
-          <p:spPr bwMode="auto">
-            <a:xfrm>
-              <a:off x="0" y="0"/>
-              <a:ext cx="9144000" cy="1066800"/>
-            </a:xfrm>
-            <a:prstGeom prst="roundRect">
-              <a:avLst>
-                <a:gd name="adj" fmla="val 0"/>
-              </a:avLst>
-            </a:prstGeom>
-            <a:solidFill>
-              <a:srgbClr val="FFFFFF">
-                <a:shade val="85000"/>
-              </a:srgbClr>
-            </a:solidFill>
-            <a:ln>
-              <a:noFill/>
-            </a:ln>
-            <a:effectLst>
-              <a:reflection blurRad="12700" stA="38000" endPos="28000" dist="5000" dir="5400000" sy="-100000" algn="bl" rotWithShape="0"/>
-            </a:effectLst>
-          </p:spPr>
-        </p:pic>
-        <p:pic>
-          <p:nvPicPr>
-            <p:cNvPr id="2051" name="Picture 3" descr="E:\LAM VIEC\NTDV\Pes\Uom mam tre tho\Source Code\PESWeb\images\Children_dq.gif"/>
-            <p:cNvPicPr>
-              <a:picLocks noChangeAspect="1" noChangeArrowheads="1"/>
-            </p:cNvPicPr>
-            <p:nvPr/>
-          </p:nvPicPr>
-          <p:blipFill>
-            <a:blip r:embed="rId4"/>
-            <a:srcRect/>
-            <a:stretch>
-              <a:fillRect/>
-            </a:stretch>
-          </p:blipFill>
-          <p:spPr bwMode="auto">
-            <a:xfrm>
-              <a:off x="46037" y="1752600"/>
-              <a:ext cx="3230563" cy="4267200"/>
-            </a:xfrm>
-            <a:prstGeom prst="rect">
-              <a:avLst/>
-            </a:prstGeom>
-            <a:noFill/>
-          </p:spPr>
-        </p:pic>
-        <p:sp>
-          <p:nvSpPr>
-            <p:cNvPr id="11" name="Rectangle 10"/>
-            <p:cNvSpPr/>
-            <p:nvPr/>
-          </p:nvSpPr>
-          <p:spPr>
-            <a:xfrm>
-              <a:off x="381000" y="6324600"/>
-              <a:ext cx="1975221" cy="369332"/>
-            </a:xfrm>
-            <a:prstGeom prst="rect">
-              <a:avLst/>
-            </a:prstGeom>
-          </p:spPr>
-          <p:txBody>
-            <a:bodyPr wrap="none">
-              <a:spAutoFit/>
-            </a:bodyPr>
-            <a:lstStyle/>
-            <a:p>
-              <a:r>
-                <a:rPr lang="en-US" smtClean="0"/>
-                <a:t>© 2010</a:t>
-              </a:r>
-              <a:r>
-                <a:rPr lang="en-US" smtClean="0">
-                  <a:solidFill>
-                    <a:schemeClr val="accent3">
-                      <a:lumMod val="50000"/>
-                    </a:schemeClr>
-                  </a:solidFill>
-                  <a:latin typeface="Times New Roman" pitchFamily="18" charset="0"/>
-                  <a:cs typeface="Times New Roman" pitchFamily="18" charset="0"/>
-                </a:rPr>
-                <a:t> tieuhoc.net</a:t>
-              </a:r>
-              <a:endParaRPr lang="en-US">
-                <a:solidFill>
-                  <a:schemeClr val="accent3">
-                    <a:lumMod val="50000"/>
-                  </a:schemeClr>
-                </a:solidFill>
-                <a:latin typeface="Times New Roman" pitchFamily="18" charset="0"/>
-                <a:cs typeface="Times New Roman" pitchFamily="18" charset="0"/>
-              </a:endParaRPr>
-            </a:p>
-          </p:txBody>
-        </p:sp>
-      </p:grpSp>
     </p:spTree>
   </p:cSld>
   <p:clrMapOvr>
@@ -3691,7 +3530,7 @@
 </file>
 
 <file path=ppt/slides/slide2.xml><?xml version="1.0" encoding="utf-8"?>
-<p:sld xmlns:a="http://schemas.openxmlformats.org/drawingml/2006/main" xmlns:r="http://schemas.openxmlformats.org/officeDocument/2006/relationships" xmlns:p="http://schemas.openxmlformats.org/presentationml/2006/main" showMasterSp="0">
+<p:sld xmlns:a="http://schemas.openxmlformats.org/drawingml/2006/main" xmlns:r="http://schemas.openxmlformats.org/officeDocument/2006/relationships" xmlns:p="http://schemas.openxmlformats.org/presentationml/2006/main">
   <p:cSld>
     <p:spTree>
       <p:nvGrpSpPr>
@@ -3707,105 +3546,6 @@
           <a:chExt cx="0" cy="0"/>
         </a:xfrm>
       </p:grpSpPr>
-      <p:pic>
-        <p:nvPicPr>
-          <p:cNvPr id="4" name="Picture 2"/>
-          <p:cNvPicPr>
-            <a:picLocks noChangeAspect="1" noChangeArrowheads="1"/>
-          </p:cNvPicPr>
-          <p:nvPr/>
-        </p:nvPicPr>
-        <p:blipFill>
-          <a:blip r:embed="rId2"/>
-          <a:srcRect/>
-          <a:stretch>
-            <a:fillRect/>
-          </a:stretch>
-        </p:blipFill>
-        <p:spPr bwMode="auto">
-          <a:xfrm>
-            <a:off x="0" y="6305550"/>
-            <a:ext cx="9144000" cy="400050"/>
-          </a:xfrm>
-          <a:prstGeom prst="rect">
-            <a:avLst/>
-          </a:prstGeom>
-          <a:noFill/>
-          <a:ln w="9525">
-            <a:noFill/>
-            <a:miter lim="800000"/>
-            <a:headEnd/>
-            <a:tailEnd/>
-          </a:ln>
-          <a:effectLst/>
-        </p:spPr>
-      </p:pic>
-      <p:pic>
-        <p:nvPicPr>
-          <p:cNvPr id="6" name="Picture 3" descr="E:\LAM VIEC\NTDV\Pes\Uom mam tre tho\Source Code\PESWeb\images\Children_dq.gif"/>
-          <p:cNvPicPr>
-            <a:picLocks noChangeAspect="1" noChangeArrowheads="1"/>
-          </p:cNvPicPr>
-          <p:nvPr/>
-        </p:nvPicPr>
-        <p:blipFill>
-          <a:blip r:embed="rId3"/>
-          <a:srcRect/>
-          <a:stretch>
-            <a:fillRect/>
-          </a:stretch>
-        </p:blipFill>
-        <p:spPr bwMode="auto">
-          <a:xfrm>
-            <a:off x="76201" y="5676898"/>
-            <a:ext cx="762000" cy="952501"/>
-          </a:xfrm>
-          <a:prstGeom prst="rect">
-            <a:avLst/>
-          </a:prstGeom>
-          <a:noFill/>
-        </p:spPr>
-      </p:pic>
-      <p:pic>
-        <p:nvPicPr>
-          <p:cNvPr id="1026" name="Picture 2" descr="E:\LAM VIEC\NTDV\Pes\Uom mam tre tho\Source Code\PESWeb\images\Studyinghome.png"/>
-          <p:cNvPicPr>
-            <a:picLocks noChangeAspect="1" noChangeArrowheads="1"/>
-          </p:cNvPicPr>
-          <p:nvPr/>
-        </p:nvPicPr>
-        <p:blipFill>
-          <a:blip r:embed="rId4">
-            <a:lum/>
-          </a:blip>
-          <a:srcRect/>
-          <a:stretch>
-            <a:fillRect/>
-          </a:stretch>
-        </p:blipFill>
-        <p:spPr bwMode="auto">
-          <a:xfrm>
-            <a:off x="0" y="0"/>
-            <a:ext cx="9144000" cy="838200"/>
-          </a:xfrm>
-          <a:prstGeom prst="roundRect">
-            <a:avLst>
-              <a:gd name="adj" fmla="val 0"/>
-            </a:avLst>
-          </a:prstGeom>
-          <a:solidFill>
-            <a:srgbClr val="FFFFFF">
-              <a:shade val="85000"/>
-            </a:srgbClr>
-          </a:solidFill>
-          <a:ln>
-            <a:noFill/>
-          </a:ln>
-          <a:effectLst>
-            <a:reflection blurRad="12700" stA="38000" endPos="28000" dist="5000" dir="5400000" sy="-100000" algn="bl" rotWithShape="0"/>
-          </a:effectLst>
-        </p:spPr>
-      </p:pic>
       <p:sp>
         <p:nvSpPr>
           <p:cNvPr id="2" name="Title 1"/>
@@ -3813,115 +3553,40 @@
             <a:spLocks noGrp="1"/>
           </p:cNvSpPr>
           <p:nvPr>
-            <p:ph type="ctrTitle"/>
-          </p:nvPr>
-        </p:nvSpPr>
-        <p:spPr>
-          <a:xfrm>
-            <a:off x="0" y="838200"/>
-            <a:ext cx="9144000" cy="457200"/>
-          </a:xfrm>
-        </p:spPr>
-        <p:txBody>
-          <a:bodyPr>
-            <a:noAutofit/>
-          </a:bodyPr>
-          <a:lstStyle/>
-          <a:p>
-            <a:pPr algn="l"/>
-            <a:endParaRPr lang="en-US" sz="2800" b="1">
-              <a:ln w="10541" cmpd="sng">
-                <a:solidFill>
-                  <a:schemeClr val="accent1">
-                    <a:shade val="88000"/>
-                    <a:satMod val="110000"/>
-                  </a:schemeClr>
-                </a:solidFill>
-                <a:prstDash val="solid"/>
-              </a:ln>
-              <a:gradFill>
-                <a:gsLst>
-                  <a:gs pos="0">
-                    <a:schemeClr val="accent1">
-                      <a:tint val="40000"/>
-                      <a:satMod val="250000"/>
-                    </a:schemeClr>
-                  </a:gs>
-                  <a:gs pos="9000">
-                    <a:schemeClr val="accent1">
-                      <a:tint val="52000"/>
-                      <a:satMod val="300000"/>
-                    </a:schemeClr>
-                  </a:gs>
-                  <a:gs pos="50000">
-                    <a:schemeClr val="accent1">
-                      <a:shade val="20000"/>
-                      <a:satMod val="300000"/>
-                    </a:schemeClr>
-                  </a:gs>
-                  <a:gs pos="79000">
-                    <a:schemeClr val="accent1">
-                      <a:tint val="52000"/>
-                      <a:satMod val="300000"/>
-                    </a:schemeClr>
-                  </a:gs>
-                  <a:gs pos="100000">
-                    <a:schemeClr val="accent1">
-                      <a:tint val="40000"/>
-                      <a:satMod val="250000"/>
-                    </a:schemeClr>
-                  </a:gs>
-                </a:gsLst>
-                <a:lin ang="5400000"/>
-              </a:gradFill>
-              <a:effectLst>
-                <a:outerShdw blurRad="50800" dist="38100" algn="l" rotWithShape="0">
-                  <a:prstClr val="black">
-                    <a:alpha val="40000"/>
-                  </a:prstClr>
-                </a:outerShdw>
-              </a:effectLst>
-              <a:latin typeface="Times New Roman" pitchFamily="18" charset="0"/>
-              <a:cs typeface="Times New Roman" pitchFamily="18" charset="0"/>
-            </a:endParaRPr>
-          </a:p>
-        </p:txBody>
-      </p:sp>
-      <p:sp>
-        <p:nvSpPr>
-          <p:cNvPr id="3" name="Subtitle 2"/>
-          <p:cNvSpPr>
-            <a:spLocks noGrp="1"/>
-          </p:cNvSpPr>
-          <p:nvPr>
-            <p:ph type="subTitle" idx="1"/>
-          </p:nvPr>
-        </p:nvSpPr>
-        <p:spPr>
-          <a:xfrm>
-            <a:off x="381000" y="1600200"/>
-            <a:ext cx="8305800" cy="5029200"/>
-          </a:xfrm>
-        </p:spPr>
-        <p:txBody>
-          <a:bodyPr/>
-          <a:lstStyle/>
-          <a:p>
-            <a:pPr algn="l">
-              <a:buBlip>
-                <a:blip r:embed="rId5"/>
-              </a:buBlip>
-            </a:pPr>
-            <a:endParaRPr lang="en-US">
-              <a:latin typeface="Times New Roman" pitchFamily="18" charset="0"/>
-              <a:cs typeface="Times New Roman" pitchFamily="18" charset="0"/>
-            </a:endParaRPr>
-          </a:p>
-        </p:txBody>
-      </p:sp>
-      <p:sp>
-        <p:nvSpPr>
-          <p:cNvPr id="5" name="Slide Number Placeholder 4"/>
+            <p:ph type="title"/>
+          </p:nvPr>
+        </p:nvSpPr>
+        <p:spPr/>
+        <p:txBody>
+          <a:bodyPr/>
+          <a:lstStyle/>
+          <a:p>
+            <a:endParaRPr lang="en-US"/>
+          </a:p>
+        </p:txBody>
+      </p:sp>
+      <p:sp>
+        <p:nvSpPr>
+          <p:cNvPr id="3" name="Content Placeholder 2"/>
+          <p:cNvSpPr>
+            <a:spLocks noGrp="1"/>
+          </p:cNvSpPr>
+          <p:nvPr>
+            <p:ph idx="1"/>
+          </p:nvPr>
+        </p:nvSpPr>
+        <p:spPr/>
+        <p:txBody>
+          <a:bodyPr/>
+          <a:lstStyle/>
+          <a:p>
+            <a:endParaRPr lang="en-US"/>
+          </a:p>
+        </p:txBody>
+      </p:sp>
+      <p:sp>
+        <p:nvSpPr>
+          <p:cNvPr id="4" name="Slide Number Placeholder 3"/>
           <p:cNvSpPr>
             <a:spLocks noGrp="1"/>
           </p:cNvSpPr>
@@ -3943,56 +3608,12 @@
           </a:p>
         </p:txBody>
       </p:sp>
-      <p:sp>
-        <p:nvSpPr>
-          <p:cNvPr id="9" name="Rectangle 8"/>
-          <p:cNvSpPr/>
-          <p:nvPr/>
-        </p:nvSpPr>
-        <p:spPr>
-          <a:xfrm>
-            <a:off x="838200" y="6324600"/>
-            <a:ext cx="1975221" cy="369332"/>
-          </a:xfrm>
-          <a:prstGeom prst="rect">
-            <a:avLst/>
-          </a:prstGeom>
-        </p:spPr>
-        <p:txBody>
-          <a:bodyPr wrap="none">
-            <a:spAutoFit/>
-          </a:bodyPr>
-          <a:lstStyle/>
-          <a:p>
-            <a:r>
-              <a:rPr lang="en-US" smtClean="0"/>
-              <a:t>© 2010</a:t>
-            </a:r>
-            <a:r>
-              <a:rPr lang="en-US" smtClean="0">
-                <a:solidFill>
-                  <a:schemeClr val="accent3">
-                    <a:lumMod val="50000"/>
-                  </a:schemeClr>
-                </a:solidFill>
-                <a:latin typeface="Times New Roman" pitchFamily="18" charset="0"/>
-                <a:cs typeface="Times New Roman" pitchFamily="18" charset="0"/>
-              </a:rPr>
-              <a:t> tieuhoc.net</a:t>
-            </a:r>
-            <a:endParaRPr lang="en-US">
-              <a:solidFill>
-                <a:schemeClr val="accent3">
-                  <a:lumMod val="50000"/>
-                </a:schemeClr>
-              </a:solidFill>
-              <a:latin typeface="Times New Roman" pitchFamily="18" charset="0"/>
-              <a:cs typeface="Times New Roman" pitchFamily="18" charset="0"/>
-            </a:endParaRPr>
-          </a:p>
-        </p:txBody>
-      </p:sp>
     </p:spTree>
+    <p:extLst>
+      <p:ext uri="{BB962C8B-B14F-4D97-AF65-F5344CB8AC3E}">
+        <p14:creationId xmlns:p14="http://schemas.microsoft.com/office/powerpoint/2010/main" val="1497904774"/>
+      </p:ext>
+    </p:extLst>
   </p:cSld>
   <p:clrMapOvr>
     <a:masterClrMapping/>
@@ -4008,7 +3629,7 @@
 </file>
 
 <file path=ppt/theme/theme1.xml><?xml version="1.0" encoding="utf-8"?>
-<a:theme xmlns:a="http://schemas.openxmlformats.org/drawingml/2006/main" name="thesis">
+<a:theme xmlns:a="http://schemas.openxmlformats.org/drawingml/2006/main" name="Theme1">
   <a:themeElements>
     <a:clrScheme name="Office">
       <a:dk1>
